--- a/data/G7/2.pptx
+++ b/data/G7/2.pptx
@@ -3342,10 +3342,10 @@
       </p:grpSpPr>
       <p:sp>
         <p:nvSpPr>
-          <p:cNvPr id="2" name="文本框 1">
-            <a:extLst>
-              <a:ext uri="{FF2B5EF4-FFF2-40B4-BE49-F238E27FC236}">
-                <a16:creationId xmlns:a16="http://schemas.microsoft.com/office/drawing/2014/main" id="{DCB0FCD0-5D71-E042-99AF-165899D06E16}"/>
+          <p:cNvPr id="3" name="文本框 2">
+            <a:extLst>
+              <a:ext uri="{FF2B5EF4-FFF2-40B4-BE49-F238E27FC236}">
+                <a16:creationId xmlns:a16="http://schemas.microsoft.com/office/drawing/2014/main" id="{13592BE2-9A89-5849-9998-11E3F623C4C1}"/>
               </a:ext>
             </a:extLst>
           </p:cNvPr>
@@ -3354,8 +3354,8 @@
         </p:nvSpPr>
         <p:spPr>
           <a:xfrm>
-            <a:off x="4876800" y="809297"/>
-            <a:ext cx="2957861" cy="923330"/>
+            <a:off x="2017986" y="1734207"/>
+            <a:ext cx="415498" cy="369332"/>
           </a:xfrm>
           <a:prstGeom prst="rect">
             <a:avLst/>
@@ -3370,21 +3370,583 @@
           <a:p>
             <a:r>
               <a:rPr lang="zh-CN" altLang="en-US" dirty="0"/>
-              <a:t>①②③④⑤⑥⑦⑧⑨⑩</a:t>
-            </a:r>
-            <a:br>
+              <a:t>①</a:t>
+            </a:r>
+            <a:endParaRPr kumimoji="1" lang="zh-CN" altLang="en-US" dirty="0"/>
+          </a:p>
+        </p:txBody>
+      </p:sp>
+      <p:sp>
+        <p:nvSpPr>
+          <p:cNvPr id="4" name="文本框 3">
+            <a:extLst>
+              <a:ext uri="{FF2B5EF4-FFF2-40B4-BE49-F238E27FC236}">
+                <a16:creationId xmlns:a16="http://schemas.microsoft.com/office/drawing/2014/main" id="{4883DB00-AC02-094D-875F-95773C09F86A}"/>
+              </a:ext>
+            </a:extLst>
+          </p:cNvPr>
+          <p:cNvSpPr txBox="1"/>
+          <p:nvPr/>
+        </p:nvSpPr>
+        <p:spPr>
+          <a:xfrm>
+            <a:off x="10972800" y="3132083"/>
+            <a:ext cx="415498" cy="369332"/>
+          </a:xfrm>
+          <a:prstGeom prst="rect">
+            <a:avLst/>
+          </a:prstGeom>
+          <a:noFill/>
+        </p:spPr>
+        <p:txBody>
+          <a:bodyPr wrap="none" rtlCol="0">
+            <a:spAutoFit/>
+          </a:bodyPr>
+          <a:lstStyle/>
+          <a:p>
+            <a:r>
               <a:rPr lang="zh-CN" altLang="en-US" dirty="0"/>
-            </a:br>
+              <a:t>②</a:t>
+            </a:r>
+            <a:endParaRPr kumimoji="1" lang="zh-CN" altLang="en-US" dirty="0"/>
+          </a:p>
+        </p:txBody>
+      </p:sp>
+      <p:sp>
+        <p:nvSpPr>
+          <p:cNvPr id="5" name="文本框 4">
+            <a:extLst>
+              <a:ext uri="{FF2B5EF4-FFF2-40B4-BE49-F238E27FC236}">
+                <a16:creationId xmlns:a16="http://schemas.microsoft.com/office/drawing/2014/main" id="{D7555C62-C7F9-154F-96B9-8DE4C5176AC3}"/>
+              </a:ext>
+            </a:extLst>
+          </p:cNvPr>
+          <p:cNvSpPr txBox="1"/>
+          <p:nvPr/>
+        </p:nvSpPr>
+        <p:spPr>
+          <a:xfrm>
+            <a:off x="809297" y="2921876"/>
+            <a:ext cx="415498" cy="369332"/>
+          </a:xfrm>
+          <a:prstGeom prst="rect">
+            <a:avLst/>
+          </a:prstGeom>
+          <a:noFill/>
+        </p:spPr>
+        <p:txBody>
+          <a:bodyPr wrap="none" rtlCol="0">
+            <a:spAutoFit/>
+          </a:bodyPr>
+          <a:lstStyle/>
+          <a:p>
             <a:r>
               <a:rPr lang="zh-CN" altLang="en-US" dirty="0"/>
-              <a:t>⑪⑫⑬⑭⑮⑯⑰⑱⑲⑳</a:t>
-            </a:r>
-            <a:br>
+              <a:t>③</a:t>
+            </a:r>
+            <a:endParaRPr kumimoji="1" lang="zh-CN" altLang="en-US" dirty="0"/>
+          </a:p>
+        </p:txBody>
+      </p:sp>
+      <p:sp>
+        <p:nvSpPr>
+          <p:cNvPr id="6" name="文本框 5">
+            <a:extLst>
+              <a:ext uri="{FF2B5EF4-FFF2-40B4-BE49-F238E27FC236}">
+                <a16:creationId xmlns:a16="http://schemas.microsoft.com/office/drawing/2014/main" id="{63E12D40-D44C-6D43-B7CB-ECA6349DCC84}"/>
+              </a:ext>
+            </a:extLst>
+          </p:cNvPr>
+          <p:cNvSpPr txBox="1"/>
+          <p:nvPr/>
+        </p:nvSpPr>
+        <p:spPr>
+          <a:xfrm>
+            <a:off x="11046373" y="3501415"/>
+            <a:ext cx="415498" cy="369332"/>
+          </a:xfrm>
+          <a:prstGeom prst="rect">
+            <a:avLst/>
+          </a:prstGeom>
+          <a:noFill/>
+        </p:spPr>
+        <p:txBody>
+          <a:bodyPr wrap="none" rtlCol="0">
+            <a:spAutoFit/>
+          </a:bodyPr>
+          <a:lstStyle/>
+          <a:p>
+            <a:r>
               <a:rPr lang="zh-CN" altLang="en-US" dirty="0"/>
-            </a:br>
+              <a:t>④</a:t>
+            </a:r>
+            <a:endParaRPr kumimoji="1" lang="zh-CN" altLang="en-US" dirty="0"/>
+          </a:p>
+        </p:txBody>
+      </p:sp>
+      <p:sp>
+        <p:nvSpPr>
+          <p:cNvPr id="7" name="文本框 6">
+            <a:extLst>
+              <a:ext uri="{FF2B5EF4-FFF2-40B4-BE49-F238E27FC236}">
+                <a16:creationId xmlns:a16="http://schemas.microsoft.com/office/drawing/2014/main" id="{E23F71A0-93EF-D449-87C1-EB51B9A6F62A}"/>
+              </a:ext>
+            </a:extLst>
+          </p:cNvPr>
+          <p:cNvSpPr txBox="1"/>
+          <p:nvPr/>
+        </p:nvSpPr>
+        <p:spPr>
+          <a:xfrm>
+            <a:off x="2879834" y="5129048"/>
+            <a:ext cx="415498" cy="369332"/>
+          </a:xfrm>
+          <a:prstGeom prst="rect">
+            <a:avLst/>
+          </a:prstGeom>
+          <a:noFill/>
+        </p:spPr>
+        <p:txBody>
+          <a:bodyPr wrap="none" rtlCol="0">
+            <a:spAutoFit/>
+          </a:bodyPr>
+          <a:lstStyle/>
+          <a:p>
             <a:r>
               <a:rPr lang="zh-CN" altLang="en-US" dirty="0"/>
-              <a:t>㉑㉒㉓㉔㉕㉖㉗㉘㉙㉚</a:t>
+              <a:t>⑤</a:t>
+            </a:r>
+            <a:endParaRPr kumimoji="1" lang="zh-CN" altLang="en-US" dirty="0"/>
+          </a:p>
+        </p:txBody>
+      </p:sp>
+      <p:sp>
+        <p:nvSpPr>
+          <p:cNvPr id="8" name="文本框 7">
+            <a:extLst>
+              <a:ext uri="{FF2B5EF4-FFF2-40B4-BE49-F238E27FC236}">
+                <a16:creationId xmlns:a16="http://schemas.microsoft.com/office/drawing/2014/main" id="{DAC125BD-8E33-9043-870F-5EAA611DA383}"/>
+              </a:ext>
+            </a:extLst>
+          </p:cNvPr>
+          <p:cNvSpPr txBox="1"/>
+          <p:nvPr/>
+        </p:nvSpPr>
+        <p:spPr>
+          <a:xfrm>
+            <a:off x="9196553" y="5498380"/>
+            <a:ext cx="415498" cy="369332"/>
+          </a:xfrm>
+          <a:prstGeom prst="rect">
+            <a:avLst/>
+          </a:prstGeom>
+          <a:noFill/>
+        </p:spPr>
+        <p:txBody>
+          <a:bodyPr wrap="none" rtlCol="0">
+            <a:spAutoFit/>
+          </a:bodyPr>
+          <a:lstStyle/>
+          <a:p>
+            <a:r>
+              <a:rPr lang="zh-CN" altLang="en-US" dirty="0"/>
+              <a:t>⑥</a:t>
+            </a:r>
+            <a:endParaRPr kumimoji="1" lang="zh-CN" altLang="en-US" dirty="0"/>
+          </a:p>
+        </p:txBody>
+      </p:sp>
+      <p:sp>
+        <p:nvSpPr>
+          <p:cNvPr id="9" name="文本框 8">
+            <a:extLst>
+              <a:ext uri="{FF2B5EF4-FFF2-40B4-BE49-F238E27FC236}">
+                <a16:creationId xmlns:a16="http://schemas.microsoft.com/office/drawing/2014/main" id="{4B424E58-261E-AA43-82F8-EA26B219F976}"/>
+              </a:ext>
+            </a:extLst>
+          </p:cNvPr>
+          <p:cNvSpPr txBox="1"/>
+          <p:nvPr/>
+        </p:nvSpPr>
+        <p:spPr>
+          <a:xfrm>
+            <a:off x="838371" y="3291208"/>
+            <a:ext cx="415498" cy="369332"/>
+          </a:xfrm>
+          <a:prstGeom prst="rect">
+            <a:avLst/>
+          </a:prstGeom>
+          <a:noFill/>
+        </p:spPr>
+        <p:txBody>
+          <a:bodyPr wrap="none" rtlCol="0">
+            <a:spAutoFit/>
+          </a:bodyPr>
+          <a:lstStyle/>
+          <a:p>
+            <a:r>
+              <a:rPr lang="zh-CN" altLang="en-US" dirty="0"/>
+              <a:t>⑦</a:t>
+            </a:r>
+            <a:endParaRPr kumimoji="1" lang="zh-CN" altLang="en-US" dirty="0"/>
+          </a:p>
+        </p:txBody>
+      </p:sp>
+      <p:sp>
+        <p:nvSpPr>
+          <p:cNvPr id="10" name="文本框 9">
+            <a:extLst>
+              <a:ext uri="{FF2B5EF4-FFF2-40B4-BE49-F238E27FC236}">
+                <a16:creationId xmlns:a16="http://schemas.microsoft.com/office/drawing/2014/main" id="{17CD415F-3063-6044-96FC-12AB2A484C7A}"/>
+              </a:ext>
+            </a:extLst>
+          </p:cNvPr>
+          <p:cNvSpPr txBox="1"/>
+          <p:nvPr/>
+        </p:nvSpPr>
+        <p:spPr>
+          <a:xfrm>
+            <a:off x="10917451" y="3307709"/>
+            <a:ext cx="415498" cy="369332"/>
+          </a:xfrm>
+          <a:prstGeom prst="rect">
+            <a:avLst/>
+          </a:prstGeom>
+          <a:noFill/>
+        </p:spPr>
+        <p:txBody>
+          <a:bodyPr wrap="none" rtlCol="0">
+            <a:spAutoFit/>
+          </a:bodyPr>
+          <a:lstStyle/>
+          <a:p>
+            <a:r>
+              <a:rPr lang="zh-CN" altLang="en-US" dirty="0"/>
+              <a:t>⑧</a:t>
+            </a:r>
+            <a:endParaRPr kumimoji="1" lang="zh-CN" altLang="en-US" dirty="0"/>
+          </a:p>
+        </p:txBody>
+      </p:sp>
+      <p:sp>
+        <p:nvSpPr>
+          <p:cNvPr id="11" name="文本框 10">
+            <a:extLst>
+              <a:ext uri="{FF2B5EF4-FFF2-40B4-BE49-F238E27FC236}">
+                <a16:creationId xmlns:a16="http://schemas.microsoft.com/office/drawing/2014/main" id="{7EDEE7FD-8FBE-F543-B9F7-6CBCBD2D5E91}"/>
+              </a:ext>
+            </a:extLst>
+          </p:cNvPr>
+          <p:cNvSpPr txBox="1"/>
+          <p:nvPr/>
+        </p:nvSpPr>
+        <p:spPr>
+          <a:xfrm>
+            <a:off x="3541986" y="3660540"/>
+            <a:ext cx="415498" cy="369332"/>
+          </a:xfrm>
+          <a:prstGeom prst="rect">
+            <a:avLst/>
+          </a:prstGeom>
+          <a:noFill/>
+        </p:spPr>
+        <p:txBody>
+          <a:bodyPr wrap="none" rtlCol="0">
+            <a:spAutoFit/>
+          </a:bodyPr>
+          <a:lstStyle/>
+          <a:p>
+            <a:r>
+              <a:rPr lang="zh-CN" altLang="en-US" dirty="0"/>
+              <a:t>⑨</a:t>
+            </a:r>
+            <a:endParaRPr kumimoji="1" lang="zh-CN" altLang="en-US" dirty="0"/>
+          </a:p>
+        </p:txBody>
+      </p:sp>
+      <p:sp>
+        <p:nvSpPr>
+          <p:cNvPr id="12" name="文本框 11">
+            <a:extLst>
+              <a:ext uri="{FF2B5EF4-FFF2-40B4-BE49-F238E27FC236}">
+                <a16:creationId xmlns:a16="http://schemas.microsoft.com/office/drawing/2014/main" id="{40AAC77C-B49B-6D40-B442-4D3E289B9EC8}"/>
+              </a:ext>
+            </a:extLst>
+          </p:cNvPr>
+          <p:cNvSpPr txBox="1"/>
+          <p:nvPr/>
+        </p:nvSpPr>
+        <p:spPr>
+          <a:xfrm>
+            <a:off x="10110952" y="3138073"/>
+            <a:ext cx="415498" cy="369332"/>
+          </a:xfrm>
+          <a:prstGeom prst="rect">
+            <a:avLst/>
+          </a:prstGeom>
+          <a:noFill/>
+        </p:spPr>
+        <p:txBody>
+          <a:bodyPr wrap="none" rtlCol="0">
+            <a:spAutoFit/>
+          </a:bodyPr>
+          <a:lstStyle/>
+          <a:p>
+            <a:r>
+              <a:rPr lang="zh-CN" altLang="en-US" dirty="0"/>
+              <a:t>⑩</a:t>
+            </a:r>
+            <a:endParaRPr kumimoji="1" lang="zh-CN" altLang="en-US" dirty="0"/>
+          </a:p>
+        </p:txBody>
+      </p:sp>
+      <p:sp>
+        <p:nvSpPr>
+          <p:cNvPr id="13" name="文本框 12">
+            <a:extLst>
+              <a:ext uri="{FF2B5EF4-FFF2-40B4-BE49-F238E27FC236}">
+                <a16:creationId xmlns:a16="http://schemas.microsoft.com/office/drawing/2014/main" id="{4E793600-A977-6240-B2F7-F39BE232C367}"/>
+              </a:ext>
+            </a:extLst>
+          </p:cNvPr>
+          <p:cNvSpPr txBox="1"/>
+          <p:nvPr/>
+        </p:nvSpPr>
+        <p:spPr>
+          <a:xfrm>
+            <a:off x="3405352" y="2186152"/>
+            <a:ext cx="461986" cy="369332"/>
+          </a:xfrm>
+          <a:prstGeom prst="rect">
+            <a:avLst/>
+          </a:prstGeom>
+          <a:noFill/>
+        </p:spPr>
+        <p:txBody>
+          <a:bodyPr wrap="none" rtlCol="0">
+            <a:spAutoFit/>
+          </a:bodyPr>
+          <a:lstStyle/>
+          <a:p>
+            <a:r>
+              <a:rPr lang="zh-CN" altLang="en-US" dirty="0"/>
+              <a:t>⑪</a:t>
+            </a:r>
+            <a:endParaRPr kumimoji="1" lang="zh-CN" altLang="en-US" dirty="0"/>
+          </a:p>
+        </p:txBody>
+      </p:sp>
+      <p:sp>
+        <p:nvSpPr>
+          <p:cNvPr id="14" name="文本框 13">
+            <a:extLst>
+              <a:ext uri="{FF2B5EF4-FFF2-40B4-BE49-F238E27FC236}">
+                <a16:creationId xmlns:a16="http://schemas.microsoft.com/office/drawing/2014/main" id="{D449194B-661A-1242-997F-EEA07C8E9FA8}"/>
+              </a:ext>
+            </a:extLst>
+          </p:cNvPr>
+          <p:cNvSpPr txBox="1"/>
+          <p:nvPr/>
+        </p:nvSpPr>
+        <p:spPr>
+          <a:xfrm>
+            <a:off x="11194092" y="3429000"/>
+            <a:ext cx="461986" cy="369332"/>
+          </a:xfrm>
+          <a:prstGeom prst="rect">
+            <a:avLst/>
+          </a:prstGeom>
+          <a:noFill/>
+        </p:spPr>
+        <p:txBody>
+          <a:bodyPr wrap="none" rtlCol="0">
+            <a:spAutoFit/>
+          </a:bodyPr>
+          <a:lstStyle/>
+          <a:p>
+            <a:r>
+              <a:rPr lang="zh-CN" altLang="en-US" dirty="0"/>
+              <a:t>⑫</a:t>
+            </a:r>
+            <a:endParaRPr kumimoji="1" lang="zh-CN" altLang="en-US" dirty="0"/>
+          </a:p>
+        </p:txBody>
+      </p:sp>
+      <p:sp>
+        <p:nvSpPr>
+          <p:cNvPr id="15" name="文本框 14">
+            <a:extLst>
+              <a:ext uri="{FF2B5EF4-FFF2-40B4-BE49-F238E27FC236}">
+                <a16:creationId xmlns:a16="http://schemas.microsoft.com/office/drawing/2014/main" id="{3C0F8EE2-C2E8-3349-8105-FD7F9E1B69EA}"/>
+              </a:ext>
+            </a:extLst>
+          </p:cNvPr>
+          <p:cNvSpPr txBox="1"/>
+          <p:nvPr/>
+        </p:nvSpPr>
+        <p:spPr>
+          <a:xfrm>
+            <a:off x="3310993" y="4487918"/>
+            <a:ext cx="461986" cy="369332"/>
+          </a:xfrm>
+          <a:prstGeom prst="rect">
+            <a:avLst/>
+          </a:prstGeom>
+          <a:noFill/>
+        </p:spPr>
+        <p:txBody>
+          <a:bodyPr wrap="none" rtlCol="0">
+            <a:spAutoFit/>
+          </a:bodyPr>
+          <a:lstStyle/>
+          <a:p>
+            <a:r>
+              <a:rPr lang="zh-CN" altLang="en-US" dirty="0"/>
+              <a:t>⑬</a:t>
+            </a:r>
+            <a:endParaRPr kumimoji="1" lang="zh-CN" altLang="en-US" dirty="0"/>
+          </a:p>
+        </p:txBody>
+      </p:sp>
+      <p:sp>
+        <p:nvSpPr>
+          <p:cNvPr id="16" name="文本框 15">
+            <a:extLst>
+              <a:ext uri="{FF2B5EF4-FFF2-40B4-BE49-F238E27FC236}">
+                <a16:creationId xmlns:a16="http://schemas.microsoft.com/office/drawing/2014/main" id="{4F9AD646-E548-2D40-95DA-52B76334CB1F}"/>
+              </a:ext>
+            </a:extLst>
+          </p:cNvPr>
+          <p:cNvSpPr txBox="1"/>
+          <p:nvPr/>
+        </p:nvSpPr>
+        <p:spPr>
+          <a:xfrm>
+            <a:off x="11166417" y="3123043"/>
+            <a:ext cx="461986" cy="369332"/>
+          </a:xfrm>
+          <a:prstGeom prst="rect">
+            <a:avLst/>
+          </a:prstGeom>
+          <a:noFill/>
+        </p:spPr>
+        <p:txBody>
+          <a:bodyPr wrap="none" rtlCol="0">
+            <a:spAutoFit/>
+          </a:bodyPr>
+          <a:lstStyle/>
+          <a:p>
+            <a:r>
+              <a:rPr lang="zh-CN" altLang="en-US" dirty="0"/>
+              <a:t>⑭</a:t>
+            </a:r>
+            <a:endParaRPr kumimoji="1" lang="zh-CN" altLang="en-US" dirty="0"/>
+          </a:p>
+        </p:txBody>
+      </p:sp>
+      <p:sp>
+        <p:nvSpPr>
+          <p:cNvPr id="17" name="文本框 16">
+            <a:extLst>
+              <a:ext uri="{FF2B5EF4-FFF2-40B4-BE49-F238E27FC236}">
+                <a16:creationId xmlns:a16="http://schemas.microsoft.com/office/drawing/2014/main" id="{B03E42BA-A875-E245-B9D4-8579A3FC99B0}"/>
+              </a:ext>
+            </a:extLst>
+          </p:cNvPr>
+          <p:cNvSpPr txBox="1"/>
+          <p:nvPr/>
+        </p:nvSpPr>
+        <p:spPr>
+          <a:xfrm>
+            <a:off x="578304" y="3566793"/>
+            <a:ext cx="461986" cy="369332"/>
+          </a:xfrm>
+          <a:prstGeom prst="rect">
+            <a:avLst/>
+          </a:prstGeom>
+          <a:noFill/>
+        </p:spPr>
+        <p:txBody>
+          <a:bodyPr wrap="none" rtlCol="0">
+            <a:spAutoFit/>
+          </a:bodyPr>
+          <a:lstStyle/>
+          <a:p>
+            <a:r>
+              <a:rPr lang="zh-CN" altLang="en-US" dirty="0"/>
+              <a:t>⑮</a:t>
+            </a:r>
+            <a:endParaRPr kumimoji="1" lang="zh-CN" altLang="en-US" dirty="0"/>
+          </a:p>
+        </p:txBody>
+      </p:sp>
+      <p:sp>
+        <p:nvSpPr>
+          <p:cNvPr id="18" name="文本框 17">
+            <a:extLst>
+              <a:ext uri="{FF2B5EF4-FFF2-40B4-BE49-F238E27FC236}">
+                <a16:creationId xmlns:a16="http://schemas.microsoft.com/office/drawing/2014/main" id="{ADE534B0-08BD-2741-9B33-0E0E2461AE25}"/>
+              </a:ext>
+            </a:extLst>
+          </p:cNvPr>
+          <p:cNvSpPr txBox="1"/>
+          <p:nvPr/>
+        </p:nvSpPr>
+        <p:spPr>
+          <a:xfrm>
+            <a:off x="493986" y="483476"/>
+            <a:ext cx="461986" cy="369332"/>
+          </a:xfrm>
+          <a:prstGeom prst="rect">
+            <a:avLst/>
+          </a:prstGeom>
+          <a:noFill/>
+        </p:spPr>
+        <p:txBody>
+          <a:bodyPr wrap="none" rtlCol="0">
+            <a:spAutoFit/>
+          </a:bodyPr>
+          <a:lstStyle/>
+          <a:p>
+            <a:r>
+              <a:rPr lang="zh-CN" altLang="en-US" dirty="0"/>
+              <a:t>⑯</a:t>
+            </a:r>
+            <a:endParaRPr kumimoji="1" lang="zh-CN" altLang="en-US" dirty="0"/>
+          </a:p>
+        </p:txBody>
+      </p:sp>
+      <p:sp>
+        <p:nvSpPr>
+          <p:cNvPr id="19" name="文本框 18">
+            <a:extLst>
+              <a:ext uri="{FF2B5EF4-FFF2-40B4-BE49-F238E27FC236}">
+                <a16:creationId xmlns:a16="http://schemas.microsoft.com/office/drawing/2014/main" id="{BF82AD49-248B-4048-9117-AA86351C2261}"/>
+              </a:ext>
+            </a:extLst>
+          </p:cNvPr>
+          <p:cNvSpPr txBox="1"/>
+          <p:nvPr/>
+        </p:nvSpPr>
+        <p:spPr>
+          <a:xfrm>
+            <a:off x="1807779" y="4046483"/>
+            <a:ext cx="461986" cy="369332"/>
+          </a:xfrm>
+          <a:prstGeom prst="rect">
+            <a:avLst/>
+          </a:prstGeom>
+          <a:noFill/>
+        </p:spPr>
+        <p:txBody>
+          <a:bodyPr wrap="none" rtlCol="0">
+            <a:spAutoFit/>
+          </a:bodyPr>
+          <a:lstStyle/>
+          <a:p>
+            <a:r>
+              <a:rPr lang="zh-CN" altLang="en-US" dirty="0"/>
+              <a:t>⑱</a:t>
             </a:r>
             <a:endParaRPr kumimoji="1" lang="zh-CN" altLang="en-US" dirty="0"/>
           </a:p>
